--- a/Z6_61890_61931_61957.pptx
+++ b/Z6_61890_61931_61957.pptx
@@ -215,7 +215,7 @@
           <a:p>
             <a:fld id="{18DCCD61-643D-44A5-A450-3A42A50CBC1E}" type="datetimeFigureOut">
               <a:rPr lang="en-US" smtClean="0"/>
-              <a:t>6/9/2018</a:t>
+              <a:t>6/17/2018</a:t>
             </a:fld>
             <a:endParaRPr lang="en-US"/>
           </a:p>
@@ -492,7 +492,7 @@
           <a:p>
             <a:fld id="{18DCCD61-643D-44A5-A450-3A42A50CBC1E}" type="datetimeFigureOut">
               <a:rPr lang="en-US" smtClean="0"/>
-              <a:t>6/9/2018</a:t>
+              <a:t>6/17/2018</a:t>
             </a:fld>
             <a:endParaRPr lang="en-US"/>
           </a:p>
@@ -745,7 +745,7 @@
           <a:p>
             <a:fld id="{18DCCD61-643D-44A5-A450-3A42A50CBC1E}" type="datetimeFigureOut">
               <a:rPr lang="en-US" smtClean="0"/>
-              <a:t>6/9/2018</a:t>
+              <a:t>6/17/2018</a:t>
             </a:fld>
             <a:endParaRPr lang="en-US"/>
           </a:p>
@@ -915,7 +915,7 @@
           <a:p>
             <a:fld id="{18DCCD61-643D-44A5-A450-3A42A50CBC1E}" type="datetimeFigureOut">
               <a:rPr lang="en-US" smtClean="0"/>
-              <a:t>6/9/2018</a:t>
+              <a:t>6/17/2018</a:t>
             </a:fld>
             <a:endParaRPr lang="en-US"/>
           </a:p>
@@ -1095,7 +1095,7 @@
           <a:p>
             <a:fld id="{18DCCD61-643D-44A5-A450-3A42A50CBC1E}" type="datetimeFigureOut">
               <a:rPr lang="en-US" smtClean="0"/>
-              <a:t>6/9/2018</a:t>
+              <a:t>6/17/2018</a:t>
             </a:fld>
             <a:endParaRPr lang="en-US"/>
           </a:p>
@@ -1677,7 +1677,7 @@
           <a:p>
             <a:fld id="{18DCCD61-643D-44A5-A450-3A42A50CBC1E}" type="datetimeFigureOut">
               <a:rPr lang="en-US" smtClean="0"/>
-              <a:t>6/9/2018</a:t>
+              <a:t>6/17/2018</a:t>
             </a:fld>
             <a:endParaRPr lang="en-US"/>
           </a:p>
@@ -1847,7 +1847,7 @@
           <a:p>
             <a:fld id="{18DCCD61-643D-44A5-A450-3A42A50CBC1E}" type="datetimeFigureOut">
               <a:rPr lang="en-US" smtClean="0"/>
-              <a:t>6/9/2018</a:t>
+              <a:t>6/17/2018</a:t>
             </a:fld>
             <a:endParaRPr lang="en-US"/>
           </a:p>
@@ -2093,7 +2093,7 @@
           <a:p>
             <a:fld id="{18DCCD61-643D-44A5-A450-3A42A50CBC1E}" type="datetimeFigureOut">
               <a:rPr lang="en-US" smtClean="0"/>
-              <a:t>6/9/2018</a:t>
+              <a:t>6/17/2018</a:t>
             </a:fld>
             <a:endParaRPr lang="en-US"/>
           </a:p>
@@ -2381,7 +2381,7 @@
           <a:p>
             <a:fld id="{18DCCD61-643D-44A5-A450-3A42A50CBC1E}" type="datetimeFigureOut">
               <a:rPr lang="en-US" smtClean="0"/>
-              <a:t>6/9/2018</a:t>
+              <a:t>6/17/2018</a:t>
             </a:fld>
             <a:endParaRPr lang="en-US"/>
           </a:p>
@@ -2803,7 +2803,7 @@
           <a:p>
             <a:fld id="{18DCCD61-643D-44A5-A450-3A42A50CBC1E}" type="datetimeFigureOut">
               <a:rPr lang="en-US" smtClean="0"/>
-              <a:t>6/9/2018</a:t>
+              <a:t>6/17/2018</a:t>
             </a:fld>
             <a:endParaRPr lang="en-US"/>
           </a:p>
@@ -2921,7 +2921,7 @@
           <a:p>
             <a:fld id="{18DCCD61-643D-44A5-A450-3A42A50CBC1E}" type="datetimeFigureOut">
               <a:rPr lang="en-US" smtClean="0"/>
-              <a:t>6/9/2018</a:t>
+              <a:t>6/17/2018</a:t>
             </a:fld>
             <a:endParaRPr lang="en-US"/>
           </a:p>
@@ -3425,7 +3425,7 @@
           <a:p>
             <a:fld id="{18DCCD61-643D-44A5-A450-3A42A50CBC1E}" type="datetimeFigureOut">
               <a:rPr lang="en-US" smtClean="0"/>
-              <a:t>6/9/2018</a:t>
+              <a:t>6/17/2018</a:t>
             </a:fld>
             <a:endParaRPr lang="en-US"/>
           </a:p>
@@ -4405,12 +4405,44 @@
           <a:p>
             <a:r>
               <a:rPr lang="bg-BG" dirty="0" smtClean="0"/>
-              <a:t>Преглед на цитати по автори</a:t>
+              <a:t>Преглед на </a:t>
+            </a:r>
+            <a:r>
+              <a:rPr lang="bg-BG" dirty="0" smtClean="0"/>
+              <a:t>лични цитати</a:t>
             </a:r>
             <a:endParaRPr lang="bg-BG" dirty="0"/>
           </a:p>
         </p:txBody>
       </p:sp>
+      <p:pic>
+        <p:nvPicPr>
+          <p:cNvPr id="3" name="Picture 2"/>
+          <p:cNvPicPr>
+            <a:picLocks noChangeAspect="1"/>
+          </p:cNvPicPr>
+          <p:nvPr/>
+        </p:nvPicPr>
+        <p:blipFill rotWithShape="1">
+          <a:blip r:embed="rId2"/>
+          <a:srcRect t="12595" r="1851" b="5704"/>
+          <a:stretch/>
+        </p:blipFill>
+        <p:spPr>
+          <a:xfrm>
+            <a:off x="112425" y="1628800"/>
+            <a:ext cx="8919149" cy="4174286"/>
+          </a:xfrm>
+          <a:prstGeom prst="rect">
+            <a:avLst/>
+          </a:prstGeom>
+          <a:ln>
+            <a:solidFill>
+              <a:schemeClr val="tx1"/>
+            </a:solidFill>
+          </a:ln>
+        </p:spPr>
+      </p:pic>
     </p:spTree>
     <p:extLst>
       <p:ext uri="{BB962C8B-B14F-4D97-AF65-F5344CB8AC3E}">
@@ -4471,6 +4503,34 @@
           </a:p>
         </p:txBody>
       </p:sp>
+      <p:pic>
+        <p:nvPicPr>
+          <p:cNvPr id="3" name="Picture 2"/>
+          <p:cNvPicPr>
+            <a:picLocks noChangeAspect="1"/>
+          </p:cNvPicPr>
+          <p:nvPr/>
+        </p:nvPicPr>
+        <p:blipFill rotWithShape="1">
+          <a:blip r:embed="rId2"/>
+          <a:srcRect t="12594" r="1851" b="8658"/>
+          <a:stretch/>
+        </p:blipFill>
+        <p:spPr>
+          <a:xfrm>
+            <a:off x="71500" y="1700808"/>
+            <a:ext cx="9001000" cy="4060330"/>
+          </a:xfrm>
+          <a:prstGeom prst="rect">
+            <a:avLst/>
+          </a:prstGeom>
+          <a:ln>
+            <a:solidFill>
+              <a:schemeClr val="tx1"/>
+            </a:solidFill>
+          </a:ln>
+        </p:spPr>
+      </p:pic>
     </p:spTree>
     <p:extLst>
       <p:ext uri="{BB962C8B-B14F-4D97-AF65-F5344CB8AC3E}">
@@ -4538,6 +4598,34 @@
           </a:p>
         </p:txBody>
       </p:sp>
+      <p:pic>
+        <p:nvPicPr>
+          <p:cNvPr id="4" name="Picture 3"/>
+          <p:cNvPicPr>
+            <a:picLocks noChangeAspect="1"/>
+          </p:cNvPicPr>
+          <p:nvPr/>
+        </p:nvPicPr>
+        <p:blipFill rotWithShape="1">
+          <a:blip r:embed="rId2"/>
+          <a:srcRect t="12594" r="1851" b="5704"/>
+          <a:stretch/>
+        </p:blipFill>
+        <p:spPr>
+          <a:xfrm>
+            <a:off x="131858" y="1628800"/>
+            <a:ext cx="8880283" cy="4156096"/>
+          </a:xfrm>
+          <a:prstGeom prst="rect">
+            <a:avLst/>
+          </a:prstGeom>
+          <a:ln>
+            <a:solidFill>
+              <a:schemeClr val="tx1"/>
+            </a:solidFill>
+          </a:ln>
+        </p:spPr>
+      </p:pic>
     </p:spTree>
     <p:extLst>
       <p:ext uri="{BB962C8B-B14F-4D97-AF65-F5344CB8AC3E}">
@@ -4685,25 +4773,22 @@
               <a:t>Добавяне на </a:t>
             </a:r>
             <a:r>
-              <a:rPr lang="bg-BG" altLang="ko-KR" sz="2800" dirty="0" err="1" smtClean="0">
+              <a:rPr lang="bg-BG" altLang="ko-KR" sz="2800" dirty="0" smtClean="0">
                 <a:solidFill>
                   <a:schemeClr val="tx1"/>
                 </a:solidFill>
                 <a:latin typeface="Arial" pitchFamily="34" charset="0"/>
                 <a:cs typeface="Arial" pitchFamily="34" charset="0"/>
               </a:rPr>
-              <a:t>responsive</a:t>
-            </a:r>
-            <a:r>
-              <a:rPr lang="bg-BG" altLang="ko-KR" sz="2800" dirty="0" smtClean="0">
-                <a:solidFill>
-                  <a:schemeClr val="tx1"/>
-                </a:solidFill>
-                <a:latin typeface="Arial" pitchFamily="34" charset="0"/>
-                <a:cs typeface="Arial" pitchFamily="34" charset="0"/>
-              </a:rPr>
-              <a:t> дизайн</a:t>
-            </a:r>
+              <a:t>функционалности за модератор</a:t>
+            </a:r>
+            <a:endParaRPr lang="bg-BG" altLang="ko-KR" sz="2800" dirty="0" smtClean="0">
+              <a:solidFill>
+                <a:schemeClr val="tx1"/>
+              </a:solidFill>
+              <a:latin typeface="Arial" pitchFamily="34" charset="0"/>
+              <a:cs typeface="Arial" pitchFamily="34" charset="0"/>
+            </a:endParaRPr>
           </a:p>
           <a:p>
             <a:pPr marL="342900" indent="-342900">
@@ -4997,17 +5082,7 @@
                 <a:latin typeface="Arial" pitchFamily="34" charset="0"/>
                 <a:cs typeface="Arial" pitchFamily="34" charset="0"/>
               </a:rPr>
-              <a:t>еб-сайт за </a:t>
-            </a:r>
-            <a:r>
-              <a:rPr lang="bg-BG" altLang="ko-KR" sz="2400" dirty="0" smtClean="0">
-                <a:solidFill>
-                  <a:schemeClr val="tx1"/>
-                </a:solidFill>
-                <a:latin typeface="Arial" pitchFamily="34" charset="0"/>
-                <a:cs typeface="Arial" pitchFamily="34" charset="0"/>
-              </a:rPr>
-              <a:t>разглеждане</a:t>
+              <a:t>еб-сайт за разглеждане</a:t>
             </a:r>
             <a:r>
               <a:rPr lang="ru-RU" altLang="ko-KR" sz="2400" dirty="0" smtClean="0">
@@ -5138,17 +5213,7 @@
                 <a:latin typeface="Arial" pitchFamily="34" charset="0"/>
                 <a:cs typeface="Arial" pitchFamily="34" charset="0"/>
               </a:rPr>
-              <a:t>с</a:t>
-            </a:r>
-            <a:r>
-              <a:rPr lang="bg-BG" altLang="ko-KR" sz="2400" dirty="0" smtClean="0">
-                <a:solidFill>
-                  <a:schemeClr val="tx1"/>
-                </a:solidFill>
-                <a:latin typeface="Arial" pitchFamily="34" charset="0"/>
-                <a:cs typeface="Arial" pitchFamily="34" charset="0"/>
-              </a:rPr>
-              <a:t>айтът може да бъде разглеждан от всеки, на само регистрираните потребители могат да добавят цитати</a:t>
+              <a:t>сайтът може да бъде разглеждан от всеки, на само регистрираните потребители могат да добавят цитати</a:t>
             </a:r>
             <a:endParaRPr lang="bg-BG" altLang="ko-KR" sz="2400" dirty="0">
               <a:solidFill>
@@ -5465,6 +5530,34 @@
           </a:p>
         </p:txBody>
       </p:sp>
+      <p:pic>
+        <p:nvPicPr>
+          <p:cNvPr id="2" name="Picture 1"/>
+          <p:cNvPicPr>
+            <a:picLocks noChangeAspect="1"/>
+          </p:cNvPicPr>
+          <p:nvPr/>
+        </p:nvPicPr>
+        <p:blipFill rotWithShape="1">
+          <a:blip r:embed="rId2"/>
+          <a:srcRect t="12593" r="1851" b="6013"/>
+          <a:stretch/>
+        </p:blipFill>
+        <p:spPr>
+          <a:xfrm>
+            <a:off x="93192" y="1412776"/>
+            <a:ext cx="8957616" cy="4176464"/>
+          </a:xfrm>
+          <a:prstGeom prst="rect">
+            <a:avLst/>
+          </a:prstGeom>
+          <a:ln>
+            <a:solidFill>
+              <a:schemeClr val="tx1"/>
+            </a:solidFill>
+          </a:ln>
+        </p:spPr>
+      </p:pic>
     </p:spTree>
     <p:extLst>
       <p:ext uri="{BB962C8B-B14F-4D97-AF65-F5344CB8AC3E}">
@@ -5884,6 +5977,37 @@
           </a:p>
         </p:txBody>
       </p:sp>
+      <p:pic>
+        <p:nvPicPr>
+          <p:cNvPr id="3" name="Picture 2"/>
+          <p:cNvPicPr/>
+          <p:nvPr/>
+        </p:nvPicPr>
+        <p:blipFill rotWithShape="1">
+          <a:blip r:embed="rId2"/>
+          <a:srcRect l="8267" t="12056" r="9722" b="5019"/>
+          <a:stretch/>
+        </p:blipFill>
+        <p:spPr bwMode="auto">
+          <a:xfrm>
+            <a:off x="233772" y="1484784"/>
+            <a:ext cx="8676456" cy="4752528"/>
+          </a:xfrm>
+          <a:prstGeom prst="rect">
+            <a:avLst/>
+          </a:prstGeom>
+          <a:ln>
+            <a:solidFill>
+              <a:schemeClr val="tx1"/>
+            </a:solidFill>
+          </a:ln>
+          <a:extLst>
+            <a:ext uri="{53640926-AAD7-44D8-BBD7-CCE9431645EC}">
+              <a14:shadowObscured xmlns:a14="http://schemas.microsoft.com/office/drawing/2010/main"/>
+            </a:ext>
+          </a:extLst>
+        </p:spPr>
+      </p:pic>
     </p:spTree>
     <p:extLst>
       <p:ext uri="{BB962C8B-B14F-4D97-AF65-F5344CB8AC3E}">
@@ -6042,6 +6166,34 @@
           </a:p>
         </p:txBody>
       </p:sp>
+      <p:pic>
+        <p:nvPicPr>
+          <p:cNvPr id="2" name="Picture 1"/>
+          <p:cNvPicPr>
+            <a:picLocks noChangeAspect="1"/>
+          </p:cNvPicPr>
+          <p:nvPr/>
+        </p:nvPicPr>
+        <p:blipFill rotWithShape="1">
+          <a:blip r:embed="rId2"/>
+          <a:srcRect l="12844" t="12594" r="14434" b="5704"/>
+          <a:stretch/>
+        </p:blipFill>
+        <p:spPr>
+          <a:xfrm>
+            <a:off x="359532" y="1268760"/>
+            <a:ext cx="8424936" cy="5321687"/>
+          </a:xfrm>
+          <a:prstGeom prst="rect">
+            <a:avLst/>
+          </a:prstGeom>
+          <a:ln>
+            <a:solidFill>
+              <a:schemeClr val="tx1"/>
+            </a:solidFill>
+          </a:ln>
+        </p:spPr>
+      </p:pic>
     </p:spTree>
     <p:extLst>
       <p:ext uri="{BB962C8B-B14F-4D97-AF65-F5344CB8AC3E}">
@@ -6106,6 +6258,37 @@
           </a:p>
         </p:txBody>
       </p:sp>
+      <p:pic>
+        <p:nvPicPr>
+          <p:cNvPr id="3" name="Picture 2"/>
+          <p:cNvPicPr/>
+          <p:nvPr/>
+        </p:nvPicPr>
+        <p:blipFill rotWithShape="1">
+          <a:blip r:embed="rId2"/>
+          <a:srcRect t="11762" r="8400" b="5313"/>
+          <a:stretch/>
+        </p:blipFill>
+        <p:spPr bwMode="auto">
+          <a:xfrm>
+            <a:off x="143508" y="1628800"/>
+            <a:ext cx="8856984" cy="4176464"/>
+          </a:xfrm>
+          <a:prstGeom prst="rect">
+            <a:avLst/>
+          </a:prstGeom>
+          <a:ln>
+            <a:solidFill>
+              <a:schemeClr val="tx1"/>
+            </a:solidFill>
+          </a:ln>
+          <a:extLst>
+            <a:ext uri="{53640926-AAD7-44D8-BBD7-CCE9431645EC}">
+              <a14:shadowObscured xmlns:a14="http://schemas.microsoft.com/office/drawing/2010/main"/>
+            </a:ext>
+          </a:extLst>
+        </p:spPr>
+      </p:pic>
     </p:spTree>
     <p:extLst>
       <p:ext uri="{BB962C8B-B14F-4D97-AF65-F5344CB8AC3E}">
